--- a/doc/Design-Challenge.pptx
+++ b/doc/Design-Challenge.pptx
@@ -258,7 +258,7 @@
               <a:pPr>
                 <a:defRPr/>
               </a:pPr>
-              <a:t>29.08.15</a:t>
+              <a:t>31.08.15</a:t>
             </a:fld>
             <a:endParaRPr lang="de-DE"/>
           </a:p>
@@ -460,7 +460,7 @@
               <a:pPr>
                 <a:defRPr/>
               </a:pPr>
-              <a:t>29.08.15</a:t>
+              <a:t>31.08.15</a:t>
             </a:fld>
             <a:endParaRPr lang="de-DE"/>
           </a:p>
@@ -2258,7 +2258,7 @@
         <p:spPr>
           <a:xfrm>
             <a:off x="2699792" y="1844824"/>
-            <a:ext cx="3516888" cy="3275759"/>
+            <a:ext cx="4392488" cy="4091325"/>
           </a:xfrm>
           <a:prstGeom prst="rect">
             <a:avLst/>
@@ -2276,6 +2276,13 @@
     <a:masterClrMapping/>
   </p:clrMapOvr>
   <p:transition xmlns:p14="http://schemas.microsoft.com/office/powerpoint/2010/main"/>
+  <p:timing>
+    <p:tnLst>
+      <p:par>
+        <p:cTn xmlns:p14="http://schemas.microsoft.com/office/powerpoint/2010/main" id="1" dur="indefinite" restart="never" nodeType="tmRoot"/>
+      </p:par>
+    </p:tnLst>
+  </p:timing>
 </p:sld>
 </file>
 
@@ -2341,11 +2348,7 @@
           <a:p>
             <a:r>
               <a:rPr lang="de-DE" dirty="0" smtClean="0"/>
-              <a:t>6 Stellen </a:t>
-            </a:r>
-            <a:r>
-              <a:rPr lang="de-DE" dirty="0" smtClean="0"/>
-              <a:t>von </a:t>
+              <a:t>6 Stellen von </a:t>
             </a:r>
             <a:r>
               <a:rPr lang="de-DE" dirty="0" smtClean="0">
@@ -2560,6 +2563,13 @@
     <a:masterClrMapping/>
   </p:clrMapOvr>
   <p:transition xmlns:p14="http://schemas.microsoft.com/office/powerpoint/2010/main"/>
+  <p:timing>
+    <p:tnLst>
+      <p:par>
+        <p:cTn xmlns:p14="http://schemas.microsoft.com/office/powerpoint/2010/main" id="1" dur="indefinite" restart="never" nodeType="tmRoot"/>
+      </p:par>
+    </p:tnLst>
+  </p:timing>
 </p:sld>
 </file>
 
@@ -2597,7 +2607,7 @@
           <a:p>
             <a:r>
               <a:rPr lang="de-DE" dirty="0" smtClean="0"/>
-              <a:t>Grafik mit Java2D</a:t>
+              <a:t>Grafik</a:t>
             </a:r>
             <a:endParaRPr lang="de-DE" dirty="0"/>
           </a:p>
@@ -2725,6 +2735,74 @@
               <a:rPr lang="de-DE" dirty="0" smtClean="0"/>
               <a:t>)</a:t>
             </a:r>
+          </a:p>
+          <a:p>
+            <a:endParaRPr lang="de-DE" dirty="0"/>
+          </a:p>
+          <a:p>
+            <a:pPr marL="0" indent="0">
+              <a:buNone/>
+            </a:pPr>
+            <a:r>
+              <a:rPr lang="de-DE" dirty="0" smtClean="0"/>
+              <a:t>Mathematik:</a:t>
+            </a:r>
+          </a:p>
+          <a:p>
+            <a:r>
+              <a:rPr lang="de-DE" dirty="0" smtClean="0"/>
+              <a:t>Punkte auf einem Kreis:</a:t>
+            </a:r>
+            <a:br>
+              <a:rPr lang="de-DE" dirty="0" smtClean="0"/>
+            </a:br>
+            <a:r>
+              <a:rPr lang="de-DE" dirty="0" smtClean="0"/>
+              <a:t>x = </a:t>
+            </a:r>
+            <a:r>
+              <a:rPr lang="de-DE" dirty="0" err="1" smtClean="0"/>
+              <a:t>radius</a:t>
+            </a:r>
+            <a:r>
+              <a:rPr lang="de-DE" dirty="0" smtClean="0"/>
+              <a:t> * sin(</a:t>
+            </a:r>
+            <a:r>
+              <a:rPr lang="de-DE" dirty="0" err="1" smtClean="0"/>
+              <a:t>alpha</a:t>
+            </a:r>
+            <a:r>
+              <a:rPr lang="de-DE" dirty="0" smtClean="0"/>
+              <a:t>)</a:t>
+            </a:r>
+            <a:br>
+              <a:rPr lang="de-DE" dirty="0" smtClean="0"/>
+            </a:br>
+            <a:r>
+              <a:rPr lang="de-DE" dirty="0" err="1" smtClean="0"/>
+              <a:t>y</a:t>
+            </a:r>
+            <a:r>
+              <a:rPr lang="de-DE" dirty="0" smtClean="0"/>
+              <a:t> = </a:t>
+            </a:r>
+            <a:r>
+              <a:rPr lang="de-DE" dirty="0" err="1" smtClean="0"/>
+              <a:t>radius</a:t>
+            </a:r>
+            <a:r>
+              <a:rPr lang="de-DE" dirty="0" smtClean="0"/>
+              <a:t> * cos(</a:t>
+            </a:r>
+            <a:r>
+              <a:rPr lang="de-DE" dirty="0" err="1" smtClean="0"/>
+              <a:t>alpha</a:t>
+            </a:r>
+            <a:r>
+              <a:rPr lang="de-DE" dirty="0" smtClean="0"/>
+              <a:t>)</a:t>
+            </a:r>
             <a:endParaRPr lang="de-DE" dirty="0"/>
           </a:p>
         </p:txBody>
@@ -2740,6 +2818,13 @@
     <a:masterClrMapping/>
   </p:clrMapOvr>
   <p:transition xmlns:p14="http://schemas.microsoft.com/office/powerpoint/2010/main"/>
+  <p:timing>
+    <p:tnLst>
+      <p:par>
+        <p:cTn xmlns:p14="http://schemas.microsoft.com/office/powerpoint/2010/main" id="1" dur="indefinite" restart="never" nodeType="tmRoot"/>
+      </p:par>
+    </p:tnLst>
+  </p:timing>
 </p:sld>
 </file>
 
@@ -2965,6 +3050,13 @@
     <a:masterClrMapping/>
   </p:clrMapOvr>
   <p:transition xmlns:p14="http://schemas.microsoft.com/office/powerpoint/2010/main"/>
+  <p:timing>
+    <p:tnLst>
+      <p:par>
+        <p:cTn xmlns:p14="http://schemas.microsoft.com/office/powerpoint/2010/main" id="1" dur="indefinite" restart="never" nodeType="tmRoot"/>
+      </p:par>
+    </p:tnLst>
+  </p:timing>
 </p:sld>
 </file>
 
@@ -3018,7 +3110,12 @@
             <p:ph idx="1"/>
           </p:nvPr>
         </p:nvSpPr>
-        <p:spPr/>
+        <p:spPr>
+          <a:xfrm>
+            <a:off x="5148064" y="990600"/>
+            <a:ext cx="3767336" cy="5105400"/>
+          </a:xfrm>
+        </p:spPr>
         <p:txBody>
           <a:bodyPr/>
           <a:lstStyle/>
@@ -3131,8 +3228,8 @@
         </p:blipFill>
         <p:spPr>
           <a:xfrm>
-            <a:off x="467544" y="2492896"/>
-            <a:ext cx="3563183" cy="3121688"/>
+            <a:off x="107504" y="1772815"/>
+            <a:ext cx="5040560" cy="4416011"/>
           </a:xfrm>
           <a:prstGeom prst="rect">
             <a:avLst/>
@@ -3150,6 +3247,13 @@
     <a:masterClrMapping/>
   </p:clrMapOvr>
   <p:transition xmlns:p14="http://schemas.microsoft.com/office/powerpoint/2010/main"/>
+  <p:timing>
+    <p:tnLst>
+      <p:par>
+        <p:cTn xmlns:p14="http://schemas.microsoft.com/office/powerpoint/2010/main" id="1" dur="indefinite" restart="never" nodeType="tmRoot"/>
+      </p:par>
+    </p:tnLst>
+  </p:timing>
 </p:sld>
 </file>
 
@@ -3412,13 +3516,7 @@
               <a:rPr lang="de-DE" dirty="0" smtClean="0">
                 <a:hlinkClick r:id="rId2"/>
               </a:rPr>
-              <a:t>cirqlizr</a:t>
-            </a:r>
-            <a:r>
-              <a:rPr lang="de-DE" dirty="0" smtClean="0">
-                <a:hlinkClick r:id="rId2"/>
-              </a:rPr>
-              <a:t>/</a:t>
+              <a:t>cirqlizr/</a:t>
             </a:r>
             <a:endParaRPr lang="de-DE" dirty="0" smtClean="0"/>
           </a:p>
@@ -3429,17 +3527,8 @@
             </a:pPr>
             <a:r>
               <a:rPr lang="de-DE" dirty="0" smtClean="0"/>
-              <a:t>In Version 0.9 </a:t>
-            </a:r>
-            <a:r>
-              <a:rPr lang="de-DE" dirty="0" smtClean="0"/>
-              <a:t>beschränkt auf </a:t>
-            </a:r>
-            <a:r>
-              <a:rPr lang="de-DE" dirty="0" smtClean="0"/>
-              <a:t>Zahlen</a:t>
-            </a:r>
-            <a:endParaRPr lang="de-DE" dirty="0" smtClean="0"/>
+              <a:t>In Version 0.9 beschränkt auf Zahlen</a:t>
+            </a:r>
           </a:p>
         </p:txBody>
       </p:sp>

--- a/doc/Design-Challenge.pptx
+++ b/doc/Design-Challenge.pptx
@@ -12,10 +12,10 @@
   </p:handoutMasterIdLst>
   <p:sldIdLst>
     <p:sldId id="321" r:id="rId2"/>
-    <p:sldId id="316" r:id="rId3"/>
-    <p:sldId id="322" r:id="rId4"/>
-    <p:sldId id="325" r:id="rId5"/>
-    <p:sldId id="326" r:id="rId6"/>
+    <p:sldId id="327" r:id="rId3"/>
+    <p:sldId id="316" r:id="rId4"/>
+    <p:sldId id="322" r:id="rId5"/>
+    <p:sldId id="325" r:id="rId6"/>
     <p:sldId id="324" r:id="rId7"/>
     <p:sldId id="318" r:id="rId8"/>
   </p:sldIdLst>
@@ -258,7 +258,7 @@
               <a:pPr>
                 <a:defRPr/>
               </a:pPr>
-              <a:t>31.08.15</a:t>
+              <a:t>29.09.15</a:t>
             </a:fld>
             <a:endParaRPr lang="de-DE"/>
           </a:p>
@@ -460,7 +460,7 @@
               <a:pPr>
                 <a:defRPr/>
               </a:pPr>
-              <a:t>31.08.15</a:t>
+              <a:t>29.09.15</a:t>
             </a:fld>
             <a:endParaRPr lang="de-DE"/>
           </a:p>
@@ -777,6 +777,120 @@
     </a:lvl9pPr>
   </p:notesStyle>
 </p:notesMaster>
+</file>
+
+<file path=ppt/notesSlides/notesSlide1.xml><?xml version="1.0" encoding="utf-8"?>
+<p:notes xmlns:a="http://schemas.openxmlformats.org/drawingml/2006/main" xmlns:r="http://schemas.openxmlformats.org/officeDocument/2006/relationships" xmlns:p="http://schemas.openxmlformats.org/presentationml/2006/main">
+  <p:cSld>
+    <p:spTree>
+      <p:nvGrpSpPr>
+        <p:cNvPr id="1" name=""/>
+        <p:cNvGrpSpPr/>
+        <p:nvPr/>
+      </p:nvGrpSpPr>
+      <p:grpSpPr>
+        <a:xfrm>
+          <a:off x="0" y="0"/>
+          <a:ext cx="0" cy="0"/>
+          <a:chOff x="0" y="0"/>
+          <a:chExt cx="0" cy="0"/>
+        </a:xfrm>
+      </p:grpSpPr>
+      <p:sp>
+        <p:nvSpPr>
+          <p:cNvPr id="2" name="Folienbildplatzhalter 1"/>
+          <p:cNvSpPr>
+            <a:spLocks noGrp="1" noRot="1" noChangeAspect="1"/>
+          </p:cNvSpPr>
+          <p:nvPr>
+            <p:ph type="sldImg"/>
+          </p:nvPr>
+        </p:nvSpPr>
+        <p:spPr/>
+      </p:sp>
+      <p:sp>
+        <p:nvSpPr>
+          <p:cNvPr id="3" name="Notizenplatzhalter 2"/>
+          <p:cNvSpPr>
+            <a:spLocks noGrp="1"/>
+          </p:cNvSpPr>
+          <p:nvPr>
+            <p:ph type="body" idx="1"/>
+          </p:nvPr>
+        </p:nvSpPr>
+        <p:spPr/>
+        <p:txBody>
+          <a:bodyPr/>
+          <a:lstStyle/>
+          <a:p>
+            <a:r>
+              <a:rPr lang="de-DE" dirty="0" smtClean="0"/>
+              <a:t>29. Sept @</a:t>
+            </a:r>
+            <a:r>
+              <a:rPr lang="de-DE" dirty="0" err="1" smtClean="0"/>
+              <a:t>Nuernberg</a:t>
+            </a:r>
+            <a:r>
+              <a:rPr lang="de-DE" dirty="0" smtClean="0"/>
+              <a:t>: </a:t>
+            </a:r>
+            <a:r>
+              <a:rPr lang="de-DE" dirty="0" err="1" smtClean="0"/>
+              <a:t>updated</a:t>
+            </a:r>
+            <a:r>
+              <a:rPr lang="de-DE" dirty="0" smtClean="0"/>
+              <a:t> design </a:t>
+            </a:r>
+            <a:r>
+              <a:rPr lang="de-DE" dirty="0" err="1" smtClean="0"/>
+              <a:t>challenge</a:t>
+            </a:r>
+            <a:endParaRPr lang="de-DE" dirty="0"/>
+          </a:p>
+        </p:txBody>
+      </p:sp>
+      <p:sp>
+        <p:nvSpPr>
+          <p:cNvPr id="4" name="Foliennummernplatzhalter 3"/>
+          <p:cNvSpPr>
+            <a:spLocks noGrp="1"/>
+          </p:cNvSpPr>
+          <p:nvPr>
+            <p:ph type="sldNum" sz="quarter" idx="10"/>
+          </p:nvPr>
+        </p:nvSpPr>
+        <p:spPr/>
+        <p:txBody>
+          <a:bodyPr/>
+          <a:lstStyle/>
+          <a:p>
+            <a:pPr>
+              <a:defRPr/>
+            </a:pPr>
+            <a:fld id="{D4B3AA24-01C1-7A40-A40E-A5B98BFDDD22}" type="slidenum">
+              <a:rPr lang="de-DE" smtClean="0"/>
+              <a:pPr>
+                <a:defRPr/>
+              </a:pPr>
+              <a:t>1</a:t>
+            </a:fld>
+            <a:endParaRPr lang="de-DE"/>
+          </a:p>
+        </p:txBody>
+      </p:sp>
+    </p:spTree>
+    <p:extLst>
+      <p:ext uri="{BB962C8B-B14F-4D97-AF65-F5344CB8AC3E}">
+        <p14:creationId xmlns:p14="http://schemas.microsoft.com/office/powerpoint/2010/main" val="3692479858"/>
+      </p:ext>
+    </p:extLst>
+  </p:cSld>
+  <p:clrMapOvr>
+    <a:masterClrMapping/>
+  </p:clrMapOvr>
+</p:notes>
 </file>
 
 <file path=ppt/slideLayouts/slideLayout1.xml><?xml version="1.0" encoding="utf-8"?>
@@ -2193,17 +2307,18 @@
         </p:nvSpPr>
         <p:spPr>
           <a:xfrm>
-            <a:off x="457200" y="152400"/>
-            <a:ext cx="8470900" cy="1188368"/>
+            <a:off x="179512" y="152400"/>
+            <a:ext cx="8748588" cy="1188368"/>
           </a:xfrm>
         </p:spPr>
         <p:txBody>
           <a:bodyPr/>
           <a:lstStyle/>
           <a:p>
+            <a:pPr algn="ctr"/>
             <a:r>
               <a:rPr lang="de-DE" sz="4400" dirty="0" smtClean="0"/>
-              <a:t>CNV Design Challenge</a:t>
+              <a:t>Design Challenge: CNV</a:t>
             </a:r>
             <a:r>
               <a:rPr lang="de-DE" dirty="0" smtClean="0"/>
@@ -2213,58 +2328,133 @@
               <a:rPr lang="de-DE" dirty="0" smtClean="0"/>
             </a:br>
             <a:r>
-              <a:rPr lang="de-DE" sz="2800" dirty="0" err="1" smtClean="0"/>
+              <a:rPr lang="de-DE" sz="2800" dirty="0" err="1" smtClean="0">
+                <a:latin typeface="+mn-lt"/>
+              </a:rPr>
               <a:t>Circular</a:t>
             </a:r>
             <a:r>
-              <a:rPr lang="de-DE" sz="2800" dirty="0" smtClean="0"/>
+              <a:rPr lang="de-DE" sz="2800" dirty="0" smtClean="0">
+                <a:latin typeface="+mn-lt"/>
+              </a:rPr>
               <a:t> </a:t>
             </a:r>
             <a:r>
-              <a:rPr lang="de-DE" sz="2800" dirty="0" err="1" smtClean="0"/>
+              <a:rPr lang="de-DE" sz="2800" dirty="0" err="1" smtClean="0">
+                <a:latin typeface="+mn-lt"/>
+              </a:rPr>
               <a:t>Numeric</a:t>
             </a:r>
             <a:r>
-              <a:rPr lang="de-DE" sz="2800" dirty="0" smtClean="0"/>
+              <a:rPr lang="de-DE" sz="2800" dirty="0" smtClean="0">
+                <a:latin typeface="+mn-lt"/>
+              </a:rPr>
               <a:t> </a:t>
             </a:r>
             <a:r>
-              <a:rPr lang="de-DE" sz="2800" dirty="0" err="1" smtClean="0"/>
+              <a:rPr lang="de-DE" sz="2800" dirty="0" err="1" smtClean="0">
+                <a:latin typeface="+mn-lt"/>
+              </a:rPr>
               <a:t>Visualization</a:t>
             </a:r>
-            <a:endParaRPr lang="de-DE" dirty="0"/>
+            <a:endParaRPr lang="de-DE" dirty="0">
+              <a:latin typeface="+mn-lt"/>
+            </a:endParaRPr>
           </a:p>
         </p:txBody>
       </p:sp>
       <p:pic>
         <p:nvPicPr>
-          <p:cNvPr id="4" name="Bild 3" descr="CIRCULIZR_-_5_digits_of_π.jpg"/>
+          <p:cNvPr id="3" name="Bild 2" descr="circos-sample-43.png"/>
           <p:cNvPicPr>
             <a:picLocks noChangeAspect="1"/>
           </p:cNvPicPr>
           <p:nvPr/>
         </p:nvPicPr>
-        <p:blipFill rotWithShape="1">
-          <a:blip r:embed="rId2">
+        <p:blipFill>
+          <a:blip r:embed="rId3">
             <a:extLst>
               <a:ext uri="{28A0092B-C50C-407E-A947-70E740481C1C}">
                 <a14:useLocalDpi xmlns:a14="http://schemas.microsoft.com/office/drawing/2010/main" val="0"/>
               </a:ext>
             </a:extLst>
           </a:blip>
-          <a:srcRect t="5110" r="14138" b="3046"/>
-          <a:stretch/>
+          <a:stretch>
+            <a:fillRect/>
+          </a:stretch>
         </p:blipFill>
         <p:spPr>
           <a:xfrm>
-            <a:off x="2699792" y="1844824"/>
-            <a:ext cx="4392488" cy="4091325"/>
+            <a:off x="2051720" y="1484784"/>
+            <a:ext cx="5080000" cy="5080000"/>
           </a:xfrm>
           <a:prstGeom prst="rect">
             <a:avLst/>
           </a:prstGeom>
         </p:spPr>
       </p:pic>
+      <p:sp>
+        <p:nvSpPr>
+          <p:cNvPr id="5" name="Textfeld 4"/>
+          <p:cNvSpPr txBox="1"/>
+          <p:nvPr/>
+        </p:nvSpPr>
+        <p:spPr>
+          <a:xfrm rot="16200000">
+            <a:off x="-940247" y="5158524"/>
+            <a:ext cx="2274982" cy="400110"/>
+          </a:xfrm>
+          <a:prstGeom prst="rect">
+            <a:avLst/>
+          </a:prstGeom>
+          <a:noFill/>
+        </p:spPr>
+        <p:txBody>
+          <a:bodyPr wrap="none" rtlCol="0">
+            <a:spAutoFit/>
+          </a:bodyPr>
+          <a:lstStyle/>
+          <a:p>
+            <a:r>
+              <a:rPr lang="de-DE" sz="2000" dirty="0" smtClean="0">
+                <a:solidFill>
+                  <a:schemeClr val="bg1">
+                    <a:lumMod val="50000"/>
+                  </a:schemeClr>
+                </a:solidFill>
+              </a:rPr>
+              <a:t>Bild: http://</a:t>
+            </a:r>
+            <a:r>
+              <a:rPr lang="de-DE" sz="2000" dirty="0" err="1" smtClean="0">
+                <a:solidFill>
+                  <a:schemeClr val="bg1">
+                    <a:lumMod val="50000"/>
+                  </a:schemeClr>
+                </a:solidFill>
+              </a:rPr>
+              <a:t>circos.ca</a:t>
+            </a:r>
+            <a:r>
+              <a:rPr lang="de-DE" sz="2000" dirty="0" smtClean="0">
+                <a:solidFill>
+                  <a:schemeClr val="bg1">
+                    <a:lumMod val="50000"/>
+                  </a:schemeClr>
+                </a:solidFill>
+              </a:rPr>
+              <a:t>/</a:t>
+            </a:r>
+            <a:endParaRPr lang="de-DE" sz="2000" dirty="0">
+              <a:solidFill>
+                <a:schemeClr val="bg1">
+                  <a:lumMod val="50000"/>
+                </a:schemeClr>
+              </a:solidFill>
+            </a:endParaRPr>
+          </a:p>
+        </p:txBody>
+      </p:sp>
     </p:spTree>
     <p:extLst>
       <p:ext uri="{BB962C8B-B14F-4D97-AF65-F5344CB8AC3E}">
@@ -2287,6 +2477,140 @@
 </file>
 
 <file path=ppt/slides/slide2.xml><?xml version="1.0" encoding="utf-8"?>
+<p:sld xmlns:a="http://schemas.openxmlformats.org/drawingml/2006/main" xmlns:r="http://schemas.openxmlformats.org/officeDocument/2006/relationships" xmlns:p="http://schemas.openxmlformats.org/presentationml/2006/main" showMasterSp="0">
+  <p:cSld>
+    <p:spTree>
+      <p:nvGrpSpPr>
+        <p:cNvPr id="1" name=""/>
+        <p:cNvGrpSpPr/>
+        <p:nvPr/>
+      </p:nvGrpSpPr>
+      <p:grpSpPr>
+        <a:xfrm>
+          <a:off x="0" y="0"/>
+          <a:ext cx="0" cy="0"/>
+          <a:chOff x="0" y="0"/>
+          <a:chExt cx="0" cy="0"/>
+        </a:xfrm>
+      </p:grpSpPr>
+      <p:pic>
+        <p:nvPicPr>
+          <p:cNvPr id="7" name="Bild 6" descr="circos-sample-58.png"/>
+          <p:cNvPicPr>
+            <a:picLocks noChangeAspect="1"/>
+          </p:cNvPicPr>
+          <p:nvPr/>
+        </p:nvPicPr>
+        <p:blipFill>
+          <a:blip r:embed="rId2">
+            <a:extLst>
+              <a:ext uri="{28A0092B-C50C-407E-A947-70E740481C1C}">
+                <a14:useLocalDpi xmlns:a14="http://schemas.microsoft.com/office/drawing/2010/main" val="0"/>
+              </a:ext>
+            </a:extLst>
+          </a:blip>
+          <a:stretch>
+            <a:fillRect/>
+          </a:stretch>
+        </p:blipFill>
+        <p:spPr>
+          <a:xfrm>
+            <a:off x="4139952" y="-1"/>
+            <a:ext cx="4980536" cy="5242014"/>
+          </a:xfrm>
+          <a:prstGeom prst="rect">
+            <a:avLst/>
+          </a:prstGeom>
+        </p:spPr>
+      </p:pic>
+      <p:sp>
+        <p:nvSpPr>
+          <p:cNvPr id="2" name="Titel 1"/>
+          <p:cNvSpPr>
+            <a:spLocks noGrp="1"/>
+          </p:cNvSpPr>
+          <p:nvPr>
+            <p:ph type="title"/>
+          </p:nvPr>
+        </p:nvSpPr>
+        <p:spPr>
+          <a:xfrm>
+            <a:off x="107504" y="116632"/>
+            <a:ext cx="3322712" cy="1548408"/>
+          </a:xfrm>
+        </p:spPr>
+        <p:txBody>
+          <a:bodyPr/>
+          <a:lstStyle/>
+          <a:p>
+            <a:r>
+              <a:rPr lang="de-DE" dirty="0" smtClean="0"/>
+              <a:t>Beispiele </a:t>
+            </a:r>
+            <a:br>
+              <a:rPr lang="de-DE" dirty="0" smtClean="0"/>
+            </a:br>
+            <a:r>
+              <a:rPr lang="de-DE" dirty="0" smtClean="0"/>
+              <a:t>(</a:t>
+            </a:r>
+            <a:r>
+              <a:rPr lang="de-DE" dirty="0" err="1" smtClean="0"/>
+              <a:t>circos.ca</a:t>
+            </a:r>
+            <a:r>
+              <a:rPr lang="de-DE" dirty="0" smtClean="0"/>
+              <a:t>)</a:t>
+            </a:r>
+            <a:endParaRPr lang="de-DE" dirty="0"/>
+          </a:p>
+        </p:txBody>
+      </p:sp>
+      <p:pic>
+        <p:nvPicPr>
+          <p:cNvPr id="6" name="Bild 5" descr="circos-sample-59.png"/>
+          <p:cNvPicPr>
+            <a:picLocks noChangeAspect="1"/>
+          </p:cNvPicPr>
+          <p:nvPr/>
+        </p:nvPicPr>
+        <p:blipFill>
+          <a:blip r:embed="rId3">
+            <a:extLst>
+              <a:ext uri="{28A0092B-C50C-407E-A947-70E740481C1C}">
+                <a14:useLocalDpi xmlns:a14="http://schemas.microsoft.com/office/drawing/2010/main" val="0"/>
+              </a:ext>
+            </a:extLst>
+          </a:blip>
+          <a:stretch>
+            <a:fillRect/>
+          </a:stretch>
+        </p:blipFill>
+        <p:spPr>
+          <a:xfrm>
+            <a:off x="0" y="2636912"/>
+            <a:ext cx="4248472" cy="4248472"/>
+          </a:xfrm>
+          <a:prstGeom prst="rect">
+            <a:avLst/>
+          </a:prstGeom>
+        </p:spPr>
+      </p:pic>
+    </p:spTree>
+    <p:extLst>
+      <p:ext uri="{BB962C8B-B14F-4D97-AF65-F5344CB8AC3E}">
+        <p14:creationId xmlns:p14="http://schemas.microsoft.com/office/powerpoint/2010/main" val="3666276229"/>
+      </p:ext>
+    </p:extLst>
+  </p:cSld>
+  <p:clrMapOvr>
+    <a:masterClrMapping/>
+  </p:clrMapOvr>
+  <p:transition xmlns:p14="http://schemas.microsoft.com/office/powerpoint/2010/main"/>
+</p:sld>
+</file>
+
+<file path=ppt/slides/slide3.xml><?xml version="1.0" encoding="utf-8"?>
 <p:sld xmlns:a="http://schemas.openxmlformats.org/drawingml/2006/main" xmlns:r="http://schemas.openxmlformats.org/officeDocument/2006/relationships" xmlns:p="http://schemas.openxmlformats.org/presentationml/2006/main">
   <p:cSld>
     <p:spTree>
@@ -2573,261 +2897,6 @@
 </p:sld>
 </file>
 
-<file path=ppt/slides/slide3.xml><?xml version="1.0" encoding="utf-8"?>
-<p:sld xmlns:a="http://schemas.openxmlformats.org/drawingml/2006/main" xmlns:r="http://schemas.openxmlformats.org/officeDocument/2006/relationships" xmlns:p="http://schemas.openxmlformats.org/presentationml/2006/main">
-  <p:cSld>
-    <p:spTree>
-      <p:nvGrpSpPr>
-        <p:cNvPr id="1" name=""/>
-        <p:cNvGrpSpPr/>
-        <p:nvPr/>
-      </p:nvGrpSpPr>
-      <p:grpSpPr>
-        <a:xfrm>
-          <a:off x="0" y="0"/>
-          <a:ext cx="0" cy="0"/>
-          <a:chOff x="0" y="0"/>
-          <a:chExt cx="0" cy="0"/>
-        </a:xfrm>
-      </p:grpSpPr>
-      <p:sp>
-        <p:nvSpPr>
-          <p:cNvPr id="2" name="Titel 1"/>
-          <p:cNvSpPr>
-            <a:spLocks noGrp="1"/>
-          </p:cNvSpPr>
-          <p:nvPr>
-            <p:ph type="title"/>
-          </p:nvPr>
-        </p:nvSpPr>
-        <p:spPr/>
-        <p:txBody>
-          <a:bodyPr/>
-          <a:lstStyle/>
-          <a:p>
-            <a:r>
-              <a:rPr lang="de-DE" dirty="0" smtClean="0"/>
-              <a:t>Grafik</a:t>
-            </a:r>
-            <a:endParaRPr lang="de-DE" dirty="0"/>
-          </a:p>
-        </p:txBody>
-      </p:sp>
-      <p:sp>
-        <p:nvSpPr>
-          <p:cNvPr id="4" name="Inhaltsplatzhalter 3"/>
-          <p:cNvSpPr>
-            <a:spLocks noGrp="1"/>
-          </p:cNvSpPr>
-          <p:nvPr>
-            <p:ph idx="1"/>
-          </p:nvPr>
-        </p:nvSpPr>
-        <p:spPr/>
-        <p:txBody>
-          <a:bodyPr/>
-          <a:lstStyle/>
-          <a:p>
-            <a:pPr marL="0" indent="0">
-              <a:buNone/>
-            </a:pPr>
-            <a:r>
-              <a:rPr lang="de-DE" dirty="0" smtClean="0"/>
-              <a:t>Graphische Primitive:</a:t>
-            </a:r>
-          </a:p>
-          <a:p>
-            <a:r>
-              <a:rPr lang="de-DE" dirty="0" smtClean="0"/>
-              <a:t>Point2D</a:t>
-            </a:r>
-          </a:p>
-          <a:p>
-            <a:r>
-              <a:rPr lang="de-DE" dirty="0" smtClean="0"/>
-              <a:t>Text</a:t>
-            </a:r>
-          </a:p>
-          <a:p>
-            <a:r>
-              <a:rPr lang="de-DE" dirty="0" smtClean="0"/>
-              <a:t>Ellipse, Line,  </a:t>
-            </a:r>
-            <a:r>
-              <a:rPr lang="de-DE" dirty="0" err="1" smtClean="0"/>
-              <a:t>Arc</a:t>
-            </a:r>
-            <a:endParaRPr lang="de-DE" dirty="0" smtClean="0"/>
-          </a:p>
-          <a:p>
-            <a:r>
-              <a:rPr lang="de-DE" dirty="0" smtClean="0"/>
-              <a:t>...</a:t>
-            </a:r>
-            <a:endParaRPr lang="de-DE" dirty="0"/>
-          </a:p>
-        </p:txBody>
-      </p:sp>
-      <p:sp>
-        <p:nvSpPr>
-          <p:cNvPr id="5" name="Inhaltsplatzhalter 4"/>
-          <p:cNvSpPr>
-            <a:spLocks noGrp="1"/>
-          </p:cNvSpPr>
-          <p:nvPr>
-            <p:ph sz="quarter" idx="11"/>
-          </p:nvPr>
-        </p:nvSpPr>
-        <p:spPr>
-          <a:xfrm>
-            <a:off x="323528" y="980728"/>
-            <a:ext cx="4114800" cy="5105400"/>
-          </a:xfrm>
-        </p:spPr>
-        <p:txBody>
-          <a:bodyPr/>
-          <a:lstStyle/>
-          <a:p>
-            <a:pPr marL="0" indent="0">
-              <a:buNone/>
-            </a:pPr>
-            <a:r>
-              <a:rPr lang="de-DE" dirty="0" smtClean="0"/>
-              <a:t>Minimum:</a:t>
-            </a:r>
-          </a:p>
-          <a:p>
-            <a:r>
-              <a:rPr lang="de-DE" dirty="0" err="1" smtClean="0"/>
-              <a:t>Window</a:t>
-            </a:r>
-            <a:r>
-              <a:rPr lang="de-DE" dirty="0" smtClean="0"/>
-              <a:t> (</a:t>
-            </a:r>
-            <a:r>
-              <a:rPr lang="de-DE" dirty="0" err="1" smtClean="0"/>
-              <a:t>javax.swing.JFrame</a:t>
-            </a:r>
-            <a:r>
-              <a:rPr lang="de-DE" dirty="0" smtClean="0"/>
-              <a:t>)</a:t>
-            </a:r>
-          </a:p>
-          <a:p>
-            <a:r>
-              <a:rPr lang="de-DE" dirty="0" smtClean="0"/>
-              <a:t>„</a:t>
-            </a:r>
-            <a:r>
-              <a:rPr lang="de-DE" dirty="0" err="1" smtClean="0"/>
-              <a:t>Canvas</a:t>
-            </a:r>
-            <a:r>
-              <a:rPr lang="de-DE" dirty="0" smtClean="0"/>
-              <a:t>“ (</a:t>
-            </a:r>
-            <a:r>
-              <a:rPr lang="de-DE" dirty="0" err="1" smtClean="0"/>
-              <a:t>javax.swing.JPanel</a:t>
-            </a:r>
-            <a:r>
-              <a:rPr lang="de-DE" dirty="0" smtClean="0"/>
-              <a:t>)</a:t>
-            </a:r>
-          </a:p>
-          <a:p>
-            <a:endParaRPr lang="de-DE" dirty="0"/>
-          </a:p>
-          <a:p>
-            <a:pPr marL="0" indent="0">
-              <a:buNone/>
-            </a:pPr>
-            <a:r>
-              <a:rPr lang="de-DE" dirty="0" smtClean="0"/>
-              <a:t>Mathematik:</a:t>
-            </a:r>
-          </a:p>
-          <a:p>
-            <a:r>
-              <a:rPr lang="de-DE" dirty="0" smtClean="0"/>
-              <a:t>Punkte auf einem Kreis:</a:t>
-            </a:r>
-            <a:br>
-              <a:rPr lang="de-DE" dirty="0" smtClean="0"/>
-            </a:br>
-            <a:r>
-              <a:rPr lang="de-DE" dirty="0" smtClean="0"/>
-              <a:t>x = </a:t>
-            </a:r>
-            <a:r>
-              <a:rPr lang="de-DE" dirty="0" err="1" smtClean="0"/>
-              <a:t>radius</a:t>
-            </a:r>
-            <a:r>
-              <a:rPr lang="de-DE" dirty="0" smtClean="0"/>
-              <a:t> * sin(</a:t>
-            </a:r>
-            <a:r>
-              <a:rPr lang="de-DE" dirty="0" err="1" smtClean="0"/>
-              <a:t>alpha</a:t>
-            </a:r>
-            <a:r>
-              <a:rPr lang="de-DE" dirty="0" smtClean="0"/>
-              <a:t>)</a:t>
-            </a:r>
-            <a:br>
-              <a:rPr lang="de-DE" dirty="0" smtClean="0"/>
-            </a:br>
-            <a:r>
-              <a:rPr lang="de-DE" dirty="0" err="1" smtClean="0"/>
-              <a:t>y</a:t>
-            </a:r>
-            <a:r>
-              <a:rPr lang="de-DE" dirty="0" smtClean="0"/>
-              <a:t> = </a:t>
-            </a:r>
-            <a:r>
-              <a:rPr lang="de-DE" dirty="0" err="1" smtClean="0"/>
-              <a:t>radius</a:t>
-            </a:r>
-            <a:r>
-              <a:rPr lang="de-DE" dirty="0" smtClean="0"/>
-              <a:t> * cos(</a:t>
-            </a:r>
-            <a:r>
-              <a:rPr lang="de-DE" dirty="0" err="1" smtClean="0"/>
-              <a:t>alpha</a:t>
-            </a:r>
-            <a:r>
-              <a:rPr lang="de-DE" dirty="0" smtClean="0"/>
-              <a:t>)</a:t>
-            </a:r>
-            <a:endParaRPr lang="de-DE" dirty="0"/>
-          </a:p>
-        </p:txBody>
-      </p:sp>
-    </p:spTree>
-    <p:extLst>
-      <p:ext uri="{BB962C8B-B14F-4D97-AF65-F5344CB8AC3E}">
-        <p14:creationId xmlns:p14="http://schemas.microsoft.com/office/powerpoint/2010/main" val="1785883360"/>
-      </p:ext>
-    </p:extLst>
-  </p:cSld>
-  <p:clrMapOvr>
-    <a:masterClrMapping/>
-  </p:clrMapOvr>
-  <p:transition xmlns:p14="http://schemas.microsoft.com/office/powerpoint/2010/main"/>
-  <p:timing>
-    <p:tnLst>
-      <p:par>
-        <p:cTn xmlns:p14="http://schemas.microsoft.com/office/powerpoint/2010/main" id="1" dur="indefinite" restart="never" nodeType="tmRoot"/>
-      </p:par>
-    </p:tnLst>
-  </p:timing>
-</p:sld>
-</file>
-
 <file path=ppt/slides/slide4.xml><?xml version="1.0" encoding="utf-8"?>
 <p:sld xmlns:a="http://schemas.openxmlformats.org/drawingml/2006/main" xmlns:r="http://schemas.openxmlformats.org/officeDocument/2006/relationships" xmlns:p="http://schemas.openxmlformats.org/presentationml/2006/main">
   <p:cSld>
@@ -2862,7 +2931,7 @@
           <a:p>
             <a:r>
               <a:rPr lang="de-DE" dirty="0" smtClean="0"/>
-              <a:t>Aufgabe 1: Die Basis...</a:t>
+              <a:t>Grafik</a:t>
             </a:r>
             <a:endParaRPr lang="de-DE" dirty="0"/>
           </a:p>
@@ -2883,97 +2952,42 @@
           <a:bodyPr/>
           <a:lstStyle/>
           <a:p>
-            <a:pPr marL="0" lvl="1" indent="-687">
+            <a:pPr marL="0" indent="0">
               <a:buNone/>
             </a:pPr>
             <a:r>
               <a:rPr lang="de-DE" dirty="0" smtClean="0"/>
-              <a:t>Weitere Anforderungen: </a:t>
-            </a:r>
-            <a:endParaRPr lang="de-DE" dirty="0"/>
-          </a:p>
-          <a:p>
-            <a:pPr marL="595213" lvl="1" indent="-457200">
-              <a:lnSpc>
-                <a:spcPct val="90000"/>
-              </a:lnSpc>
-              <a:buFont typeface="+mj-lt"/>
-              <a:buAutoNum type="arabicPeriod"/>
-            </a:pPr>
-            <a:r>
-              <a:rPr lang="de-DE" dirty="0"/>
-              <a:t>Darstellung von </a:t>
-            </a:r>
-            <a:r>
-              <a:rPr lang="de-DE" dirty="0" smtClean="0"/>
-              <a:t>Zahlen</a:t>
-            </a:r>
-            <a:endParaRPr lang="de-DE" dirty="0"/>
-          </a:p>
-          <a:p>
-            <a:pPr marL="595213" lvl="1" indent="-457200">
-              <a:lnSpc>
-                <a:spcPct val="90000"/>
-              </a:lnSpc>
-              <a:buFont typeface="+mj-lt"/>
-              <a:buAutoNum type="arabicPeriod"/>
-            </a:pPr>
-            <a:r>
-              <a:rPr lang="de-DE" dirty="0" smtClean="0"/>
-              <a:t>Verbindungen als Geraden</a:t>
-            </a:r>
-          </a:p>
-          <a:p>
-            <a:pPr marL="595213" lvl="1" indent="-457200">
-              <a:lnSpc>
-                <a:spcPct val="90000"/>
-              </a:lnSpc>
-              <a:buFont typeface="+mj-lt"/>
-              <a:buAutoNum type="arabicPeriod"/>
-            </a:pPr>
-            <a:r>
-              <a:rPr lang="de-DE" dirty="0" smtClean="0"/>
-              <a:t>Grafiken </a:t>
-            </a:r>
-            <a:r>
-              <a:rPr lang="de-DE" dirty="0"/>
-              <a:t>in weniger als 5 Sekunden darstellen</a:t>
-            </a:r>
-          </a:p>
-          <a:p>
-            <a:pPr marL="595213" lvl="1" indent="-457200">
-              <a:lnSpc>
-                <a:spcPct val="90000"/>
-              </a:lnSpc>
-              <a:buFont typeface="+mj-lt"/>
-              <a:buAutoNum type="arabicPeriod"/>
-            </a:pPr>
-            <a:r>
-              <a:rPr lang="de-DE" dirty="0" smtClean="0"/>
-              <a:t>Festes Farbschema</a:t>
-            </a:r>
-          </a:p>
-          <a:p>
-            <a:pPr marL="595213" lvl="1" indent="-457200">
-              <a:lnSpc>
-                <a:spcPct val="90000"/>
-              </a:lnSpc>
-              <a:buFont typeface="+mj-lt"/>
-              <a:buAutoNum type="arabicPeriod"/>
-            </a:pPr>
-            <a:r>
-              <a:rPr lang="de-DE" dirty="0" smtClean="0"/>
-              <a:t>(nahezu) beliebige Stellenzahl</a:t>
-            </a:r>
-          </a:p>
-          <a:p>
-            <a:pPr marL="595213" lvl="1" indent="-457200">
-              <a:lnSpc>
-                <a:spcPct val="90000"/>
-              </a:lnSpc>
-              <a:buFont typeface="+mj-lt"/>
-              <a:buAutoNum type="arabicPeriod"/>
-            </a:pPr>
+              <a:t>Graphische Primitive:</a:t>
+            </a:r>
+          </a:p>
+          <a:p>
+            <a:r>
+              <a:rPr lang="de-DE" dirty="0" smtClean="0"/>
+              <a:t>Point2D</a:t>
+            </a:r>
+          </a:p>
+          <a:p>
+            <a:r>
+              <a:rPr lang="de-DE" dirty="0" smtClean="0"/>
+              <a:t>Text</a:t>
+            </a:r>
+          </a:p>
+          <a:p>
+            <a:r>
+              <a:rPr lang="de-DE" dirty="0" smtClean="0"/>
+              <a:t>Ellipse, Line,  </a:t>
+            </a:r>
+            <a:r>
+              <a:rPr lang="de-DE" dirty="0" err="1" smtClean="0"/>
+              <a:t>Arc</a:t>
+            </a:r>
+            <a:endParaRPr lang="de-DE" dirty="0" smtClean="0"/>
+          </a:p>
+          <a:p>
+            <a:r>
+              <a:rPr lang="de-DE" dirty="0" smtClean="0"/>
+              <a:t>...</a:t>
+            </a:r>
             <a:endParaRPr lang="de-DE" dirty="0"/>
           </a:p>
         </p:txBody>
@@ -3002,47 +3016,125 @@
               <a:buNone/>
             </a:pPr>
             <a:r>
-              <a:rPr lang="de-DE" sz="2800" dirty="0" smtClean="0"/>
-              <a:t>Architekturentwurf...</a:t>
-            </a:r>
-            <a:endParaRPr lang="de-DE" sz="2800" dirty="0"/>
+              <a:rPr lang="de-DE" dirty="0" smtClean="0"/>
+              <a:t>Minimum:</a:t>
+            </a:r>
+          </a:p>
+          <a:p>
+            <a:r>
+              <a:rPr lang="de-DE" dirty="0" err="1" smtClean="0"/>
+              <a:t>Window</a:t>
+            </a:r>
+            <a:r>
+              <a:rPr lang="de-DE" dirty="0" smtClean="0"/>
+              <a:t> (</a:t>
+            </a:r>
+            <a:r>
+              <a:rPr lang="de-DE" dirty="0" err="1" smtClean="0"/>
+              <a:t>javax.swing.JFrame</a:t>
+            </a:r>
+            <a:r>
+              <a:rPr lang="de-DE" dirty="0" smtClean="0"/>
+              <a:t>)</a:t>
+            </a:r>
+          </a:p>
+          <a:p>
+            <a:r>
+              <a:rPr lang="de-DE" dirty="0" smtClean="0"/>
+              <a:t>„</a:t>
+            </a:r>
+            <a:r>
+              <a:rPr lang="de-DE" dirty="0" err="1" smtClean="0"/>
+              <a:t>Canvas</a:t>
+            </a:r>
+            <a:r>
+              <a:rPr lang="de-DE" dirty="0" smtClean="0"/>
+              <a:t>“ (</a:t>
+            </a:r>
+            <a:r>
+              <a:rPr lang="de-DE" dirty="0" err="1" smtClean="0"/>
+              <a:t>javax.swing.JPanel</a:t>
+            </a:r>
+            <a:r>
+              <a:rPr lang="de-DE" dirty="0" smtClean="0"/>
+              <a:t>)</a:t>
+            </a:r>
+          </a:p>
+          <a:p>
+            <a:endParaRPr lang="de-DE" dirty="0"/>
+          </a:p>
+          <a:p>
+            <a:pPr marL="0" indent="0">
+              <a:buNone/>
+            </a:pPr>
+            <a:r>
+              <a:rPr lang="de-DE" dirty="0" smtClean="0"/>
+              <a:t>Mathematik:</a:t>
+            </a:r>
+          </a:p>
+          <a:p>
+            <a:r>
+              <a:rPr lang="de-DE" dirty="0" smtClean="0"/>
+              <a:t>Punkte auf einem Kreis:</a:t>
+            </a:r>
+            <a:br>
+              <a:rPr lang="de-DE" dirty="0" smtClean="0"/>
+            </a:br>
+            <a:r>
+              <a:rPr lang="de-DE" dirty="0" smtClean="0"/>
+              <a:t>x = </a:t>
+            </a:r>
+            <a:r>
+              <a:rPr lang="de-DE" dirty="0" err="1" smtClean="0"/>
+              <a:t>radius</a:t>
+            </a:r>
+            <a:r>
+              <a:rPr lang="de-DE" dirty="0" smtClean="0"/>
+              <a:t> * sin(</a:t>
+            </a:r>
+            <a:r>
+              <a:rPr lang="de-DE" dirty="0" err="1" smtClean="0"/>
+              <a:t>alpha</a:t>
+            </a:r>
+            <a:r>
+              <a:rPr lang="de-DE" dirty="0" smtClean="0"/>
+              <a:t>)</a:t>
+            </a:r>
+            <a:br>
+              <a:rPr lang="de-DE" dirty="0" smtClean="0"/>
+            </a:br>
+            <a:r>
+              <a:rPr lang="de-DE" dirty="0" err="1" smtClean="0"/>
+              <a:t>y</a:t>
+            </a:r>
+            <a:r>
+              <a:rPr lang="de-DE" dirty="0" smtClean="0"/>
+              <a:t> = </a:t>
+            </a:r>
+            <a:r>
+              <a:rPr lang="de-DE" dirty="0" err="1" smtClean="0"/>
+              <a:t>radius</a:t>
+            </a:r>
+            <a:r>
+              <a:rPr lang="de-DE" dirty="0" smtClean="0"/>
+              <a:t> * cos(</a:t>
+            </a:r>
+            <a:r>
+              <a:rPr lang="de-DE" dirty="0" err="1" smtClean="0"/>
+              <a:t>alpha</a:t>
+            </a:r>
+            <a:r>
+              <a:rPr lang="de-DE" dirty="0" smtClean="0"/>
+              <a:t>)</a:t>
+            </a:r>
+            <a:endParaRPr lang="de-DE" dirty="0"/>
           </a:p>
         </p:txBody>
       </p:sp>
-      <p:pic>
-        <p:nvPicPr>
-          <p:cNvPr id="3" name="Bild 2" descr="circulizr-V0_5.jpg"/>
-          <p:cNvPicPr>
-            <a:picLocks noChangeAspect="1"/>
-          </p:cNvPicPr>
-          <p:nvPr/>
-        </p:nvPicPr>
-        <p:blipFill>
-          <a:blip r:embed="rId2">
-            <a:extLst>
-              <a:ext uri="{28A0092B-C50C-407E-A947-70E740481C1C}">
-                <a14:useLocalDpi xmlns:a14="http://schemas.microsoft.com/office/drawing/2010/main" val="0"/>
-              </a:ext>
-            </a:extLst>
-          </a:blip>
-          <a:stretch>
-            <a:fillRect/>
-          </a:stretch>
-        </p:blipFill>
-        <p:spPr>
-          <a:xfrm>
-            <a:off x="106680" y="1988840"/>
-            <a:ext cx="4609336" cy="4032448"/>
-          </a:xfrm>
-          <a:prstGeom prst="rect">
-            <a:avLst/>
-          </a:prstGeom>
-        </p:spPr>
-      </p:pic>
     </p:spTree>
     <p:extLst>
       <p:ext uri="{BB962C8B-B14F-4D97-AF65-F5344CB8AC3E}">
-        <p14:creationId xmlns:p14="http://schemas.microsoft.com/office/powerpoint/2010/main" val="3722431019"/>
+        <p14:creationId xmlns:p14="http://schemas.microsoft.com/office/powerpoint/2010/main" val="1785883360"/>
       </p:ext>
     </p:extLst>
   </p:cSld>
@@ -3093,8 +3185,24 @@
           <a:lstStyle/>
           <a:p>
             <a:r>
-              <a:rPr lang="de-DE" dirty="0" smtClean="0"/>
-              <a:t>Aufgabe 2: Unabhängigkeit...</a:t>
+              <a:rPr lang="de-DE" sz="2800" dirty="0" smtClean="0">
+                <a:latin typeface="+mn-lt"/>
+              </a:rPr>
+              <a:t>Aufgabe 1: </a:t>
+            </a:r>
+            <a:r>
+              <a:rPr lang="de-DE" sz="2800" dirty="0" smtClean="0">
+                <a:latin typeface="+mn-lt"/>
+              </a:rPr>
+              <a:t>  </a:t>
+            </a:r>
+            <a:r>
+              <a:rPr lang="de-DE" dirty="0" smtClean="0"/>
+              <a:t>Architekturentwurf.</a:t>
+            </a:r>
+            <a:r>
+              <a:rPr lang="de-DE" dirty="0" smtClean="0"/>
+              <a:t>..</a:t>
             </a:r>
             <a:endParaRPr lang="de-DE" dirty="0"/>
           </a:p>
@@ -3112,8 +3220,8 @@
         </p:nvSpPr>
         <p:spPr>
           <a:xfrm>
-            <a:off x="5148064" y="990600"/>
-            <a:ext cx="3767336" cy="5105400"/>
+            <a:off x="4788024" y="980728"/>
+            <a:ext cx="4114800" cy="4608512"/>
           </a:xfrm>
         </p:spPr>
         <p:txBody>
@@ -3124,8 +3232,12 @@
               <a:buNone/>
             </a:pPr>
             <a:r>
-              <a:rPr lang="de-DE" dirty="0" smtClean="0"/>
-              <a:t>Neue Anforderungen: </a:t>
+              <a:rPr lang="de-DE" sz="2800" dirty="0" smtClean="0"/>
+              <a:t>Anforderungen</a:t>
+            </a:r>
+            <a:r>
+              <a:rPr lang="de-DE" dirty="0" smtClean="0"/>
+              <a:t>: </a:t>
             </a:r>
             <a:endParaRPr lang="de-DE" dirty="0"/>
           </a:p>
@@ -3138,9 +3250,14 @@
               <a:buAutoNum type="arabicPeriod"/>
             </a:pPr>
             <a:r>
-              <a:rPr lang="de-DE" dirty="0" smtClean="0"/>
-              <a:t>Unabhängigkeit von Java2D</a:t>
-            </a:r>
+              <a:rPr lang="de-DE" dirty="0"/>
+              <a:t>Darstellung von </a:t>
+            </a:r>
+            <a:r>
+              <a:rPr lang="de-DE" dirty="0" smtClean="0"/>
+              <a:t>Zusammenhängen in Zahlen</a:t>
+            </a:r>
+            <a:endParaRPr lang="de-DE" dirty="0"/>
           </a:p>
           <a:p>
             <a:pPr marL="595213" lvl="1" indent="-457200">
@@ -3152,15 +3269,11 @@
             </a:pPr>
             <a:r>
               <a:rPr lang="de-DE" dirty="0" smtClean="0"/>
-              <a:t>Bilder druckbar („</a:t>
-            </a:r>
-            <a:r>
-              <a:rPr lang="de-DE" dirty="0" err="1" smtClean="0"/>
-              <a:t>printable</a:t>
-            </a:r>
-            <a:r>
-              <a:rPr lang="de-DE" dirty="0" smtClean="0"/>
-              <a:t>“)</a:t>
+              <a:t>Unabhängigkeit </a:t>
+            </a:r>
+            <a:r>
+              <a:rPr lang="de-DE" dirty="0"/>
+              <a:t>von UI Toolkit (etwa: Java2D)</a:t>
             </a:r>
           </a:p>
           <a:p>
@@ -3173,22 +3286,7 @@
             </a:pPr>
             <a:r>
               <a:rPr lang="de-DE" dirty="0" smtClean="0"/>
-              <a:t>Anzeige im Browser </a:t>
-            </a:r>
-            <a:br>
-              <a:rPr lang="de-DE" dirty="0" smtClean="0"/>
-            </a:br>
-            <a:r>
-              <a:rPr lang="de-DE" dirty="0" smtClean="0"/>
-              <a:t>(z.B. SVG </a:t>
-            </a:r>
-            <a:r>
-              <a:rPr lang="de-DE" dirty="0" err="1" smtClean="0"/>
-              <a:t>oä</a:t>
-            </a:r>
-            <a:r>
-              <a:rPr lang="de-DE" dirty="0" smtClean="0"/>
-              <a:t>)</a:t>
+              <a:t>Verbindungen als Geraden oder Kurven</a:t>
             </a:r>
           </a:p>
           <a:p>
@@ -3201,14 +3299,83 @@
             </a:pPr>
             <a:r>
               <a:rPr lang="de-DE" dirty="0" smtClean="0"/>
-              <a:t>Verbindungen als Kurven</a:t>
-            </a:r>
+              <a:t>Grafiken </a:t>
+            </a:r>
+            <a:r>
+              <a:rPr lang="de-DE" dirty="0"/>
+              <a:t>in weniger als 5 Sekunden darstellen</a:t>
+            </a:r>
+          </a:p>
+          <a:p>
+            <a:pPr marL="595213" lvl="1" indent="-457200">
+              <a:lnSpc>
+                <a:spcPct val="90000"/>
+              </a:lnSpc>
+              <a:buFont typeface="+mj-lt"/>
+              <a:buAutoNum type="arabicPeriod"/>
+            </a:pPr>
+            <a:r>
+              <a:rPr lang="de-DE" dirty="0" smtClean="0"/>
+              <a:t>Festes Farbschema</a:t>
+            </a:r>
+          </a:p>
+          <a:p>
+            <a:pPr marL="595213" lvl="1" indent="-457200">
+              <a:lnSpc>
+                <a:spcPct val="90000"/>
+              </a:lnSpc>
+              <a:buFont typeface="+mj-lt"/>
+              <a:buAutoNum type="arabicPeriod"/>
+            </a:pPr>
+            <a:r>
+              <a:rPr lang="de-DE" dirty="0" smtClean="0"/>
+              <a:t>(nahezu) beliebige </a:t>
+            </a:r>
+            <a:r>
+              <a:rPr lang="de-DE" dirty="0" smtClean="0"/>
+              <a:t>Stellenzahl</a:t>
+            </a:r>
+          </a:p>
+          <a:p>
+            <a:pPr marL="595213" lvl="1" indent="-457200">
+              <a:lnSpc>
+                <a:spcPct val="90000"/>
+              </a:lnSpc>
+              <a:buFont typeface="+mj-lt"/>
+              <a:buAutoNum type="arabicPeriod"/>
+            </a:pPr>
+            <a:r>
+              <a:rPr lang="de-DE" dirty="0" smtClean="0"/>
+              <a:t>Bilder </a:t>
+            </a:r>
+            <a:r>
+              <a:rPr lang="de-DE" dirty="0"/>
+              <a:t>druckbar („</a:t>
+            </a:r>
+            <a:r>
+              <a:rPr lang="de-DE" dirty="0" err="1"/>
+              <a:t>printable</a:t>
+            </a:r>
+            <a:r>
+              <a:rPr lang="de-DE" dirty="0"/>
+              <a:t>“)</a:t>
+            </a:r>
+          </a:p>
+          <a:p>
+            <a:pPr marL="595213" lvl="1" indent="-457200">
+              <a:lnSpc>
+                <a:spcPct val="90000"/>
+              </a:lnSpc>
+              <a:buFont typeface="+mj-lt"/>
+              <a:buAutoNum type="arabicPeriod"/>
+            </a:pPr>
+            <a:endParaRPr lang="de-DE" dirty="0" smtClean="0"/>
           </a:p>
         </p:txBody>
       </p:sp>
       <p:pic>
         <p:nvPicPr>
-          <p:cNvPr id="7" name="Bild 6" descr="CIRCULIZR_0_9_-_3500_digits_of_π.jpg"/>
+          <p:cNvPr id="3" name="Bild 2" descr="circulizr-V0_5.jpg"/>
           <p:cNvPicPr>
             <a:picLocks noChangeAspect="1"/>
           </p:cNvPicPr>
@@ -3228,8 +3395,38 @@
         </p:blipFill>
         <p:spPr>
           <a:xfrm>
-            <a:off x="107504" y="1772815"/>
-            <a:ext cx="5040560" cy="4416011"/>
+            <a:off x="179512" y="1196752"/>
+            <a:ext cx="3950859" cy="3456384"/>
+          </a:xfrm>
+          <a:prstGeom prst="rect">
+            <a:avLst/>
+          </a:prstGeom>
+        </p:spPr>
+      </p:pic>
+      <p:pic>
+        <p:nvPicPr>
+          <p:cNvPr id="7" name="Bild 6" descr="CIRCULIZR_0_9_-_3500_digits_of_π.jpg"/>
+          <p:cNvPicPr>
+            <a:picLocks noChangeAspect="1"/>
+          </p:cNvPicPr>
+          <p:nvPr/>
+        </p:nvPicPr>
+        <p:blipFill>
+          <a:blip r:embed="rId3">
+            <a:extLst>
+              <a:ext uri="{28A0092B-C50C-407E-A947-70E740481C1C}">
+                <a14:useLocalDpi xmlns:a14="http://schemas.microsoft.com/office/drawing/2010/main" val="0"/>
+              </a:ext>
+            </a:extLst>
+          </a:blip>
+          <a:stretch>
+            <a:fillRect/>
+          </a:stretch>
+        </p:blipFill>
+        <p:spPr>
+          <a:xfrm>
+            <a:off x="32344" y="5157192"/>
+            <a:ext cx="1479456" cy="1296145"/>
           </a:xfrm>
           <a:prstGeom prst="rect">
             <a:avLst/>
@@ -3239,7 +3436,7 @@
     </p:spTree>
     <p:extLst>
       <p:ext uri="{BB962C8B-B14F-4D97-AF65-F5344CB8AC3E}">
-        <p14:creationId xmlns:p14="http://schemas.microsoft.com/office/powerpoint/2010/main" val="2146443097"/>
+        <p14:creationId xmlns:p14="http://schemas.microsoft.com/office/powerpoint/2010/main" val="3722431019"/>
       </p:ext>
     </p:extLst>
   </p:cSld>
@@ -3290,8 +3487,24 @@
           <a:lstStyle/>
           <a:p>
             <a:r>
-              <a:rPr lang="de-DE" dirty="0" smtClean="0"/>
-              <a:t>Aufgabe 3: Mehr Flexibilität</a:t>
+              <a:rPr lang="de-DE" sz="2800" dirty="0">
+                <a:latin typeface="+mn-lt"/>
+              </a:rPr>
+              <a:t>Aufgabe </a:t>
+            </a:r>
+            <a:r>
+              <a:rPr lang="de-DE" sz="2800" dirty="0" smtClean="0">
+                <a:latin typeface="+mn-lt"/>
+              </a:rPr>
+              <a:t>2:</a:t>
+            </a:r>
+            <a:r>
+              <a:rPr lang="de-DE" dirty="0" smtClean="0"/>
+              <a:t> </a:t>
+            </a:r>
+            <a:r>
+              <a:rPr lang="de-DE" dirty="0" smtClean="0"/>
+              <a:t>Mehr Flexibilität</a:t>
             </a:r>
             <a:endParaRPr lang="de-DE" dirty="0"/>
           </a:p>
@@ -3307,7 +3520,12 @@
             <p:ph idx="1"/>
           </p:nvPr>
         </p:nvSpPr>
-        <p:spPr/>
+        <p:spPr>
+          <a:xfrm>
+            <a:off x="4788024" y="1340768"/>
+            <a:ext cx="4114800" cy="5105400"/>
+          </a:xfrm>
+        </p:spPr>
         <p:txBody>
           <a:bodyPr/>
           <a:lstStyle/>
@@ -3362,8 +3580,13 @@
             </a:pPr>
             <a:r>
               <a:rPr lang="de-DE" dirty="0" smtClean="0"/>
-              <a:t>Verbindungen als Kurve</a:t>
-            </a:r>
+              <a:t>Verbindungen </a:t>
+            </a:r>
+            <a:r>
+              <a:rPr lang="de-DE" dirty="0" smtClean="0"/>
+              <a:t>konfigurierbar</a:t>
+            </a:r>
+            <a:endParaRPr lang="de-DE" dirty="0" smtClean="0"/>
           </a:p>
           <a:p>
             <a:pPr marL="1168300" lvl="2" indent="-457200">
@@ -3413,7 +3636,7 @@
         </p:blipFill>
         <p:spPr>
           <a:xfrm>
-            <a:off x="251520" y="1772816"/>
+            <a:off x="107504" y="1412776"/>
             <a:ext cx="4361240" cy="4293096"/>
           </a:xfrm>
           <a:prstGeom prst="rect">

--- a/doc/Design-Challenge.pptx
+++ b/doc/Design-Challenge.pptx
@@ -258,7 +258,7 @@
               <a:pPr>
                 <a:defRPr/>
               </a:pPr>
-              <a:t>29.09.15</a:t>
+              <a:t>27.10.15</a:t>
             </a:fld>
             <a:endParaRPr lang="de-DE"/>
           </a:p>
@@ -460,7 +460,7 @@
               <a:pPr>
                 <a:defRPr/>
               </a:pPr>
-              <a:t>29.09.15</a:t>
+              <a:t>27.10.15</a:t>
             </a:fld>
             <a:endParaRPr lang="de-DE"/>
           </a:p>
@@ -2607,6 +2607,13 @@
     <a:masterClrMapping/>
   </p:clrMapOvr>
   <p:transition xmlns:p14="http://schemas.microsoft.com/office/powerpoint/2010/main"/>
+  <p:timing>
+    <p:tnLst>
+      <p:par>
+        <p:cTn xmlns:p14="http://schemas.microsoft.com/office/powerpoint/2010/main" id="1" dur="indefinite" restart="never" nodeType="tmRoot"/>
+      </p:par>
+    </p:tnLst>
+  </p:timing>
 </p:sld>
 </file>
 
@@ -3188,21 +3195,15 @@
               <a:rPr lang="de-DE" sz="2800" dirty="0" smtClean="0">
                 <a:latin typeface="+mn-lt"/>
               </a:rPr>
-              <a:t>Aufgabe 1: </a:t>
-            </a:r>
-            <a:r>
-              <a:rPr lang="de-DE" sz="2800" dirty="0" smtClean="0">
-                <a:latin typeface="+mn-lt"/>
-              </a:rPr>
-              <a:t>  </a:t>
-            </a:r>
-            <a:r>
-              <a:rPr lang="de-DE" dirty="0" smtClean="0"/>
-              <a:t>Architekturentwurf.</a:t>
-            </a:r>
-            <a:r>
-              <a:rPr lang="de-DE" dirty="0" smtClean="0"/>
-              <a:t>..</a:t>
+              <a:t>Meta-</a:t>
+            </a:r>
+            <a:r>
+              <a:rPr lang="de-DE" dirty="0" smtClean="0"/>
+              <a:t>Architekturentwurf</a:t>
+            </a:r>
+            <a:r>
+              <a:rPr lang="de-DE" dirty="0" smtClean="0"/>
+              <a:t>...</a:t>
             </a:r>
             <a:endParaRPr lang="de-DE" dirty="0"/>
           </a:p>
@@ -3220,8 +3221,8 @@
         </p:nvSpPr>
         <p:spPr>
           <a:xfrm>
-            <a:off x="4788024" y="980728"/>
-            <a:ext cx="4114800" cy="4608512"/>
+            <a:off x="4139952" y="980728"/>
+            <a:ext cx="4762872" cy="4608512"/>
           </a:xfrm>
         </p:spPr>
         <p:txBody>
@@ -3255,7 +3256,11 @@
             </a:r>
             <a:r>
               <a:rPr lang="de-DE" dirty="0" smtClean="0"/>
-              <a:t>Zusammenhängen in Zahlen</a:t>
+              <a:t>Zusammenhängen in </a:t>
+            </a:r>
+            <a:r>
+              <a:rPr lang="de-DE" dirty="0" smtClean="0"/>
+              <a:t>beliebigen Wertemengen</a:t>
             </a:r>
             <a:endParaRPr lang="de-DE" dirty="0"/>
           </a:p>
@@ -3329,11 +3334,7 @@
             </a:pPr>
             <a:r>
               <a:rPr lang="de-DE" dirty="0" smtClean="0"/>
-              <a:t>(nahezu) beliebige </a:t>
-            </a:r>
-            <a:r>
-              <a:rPr lang="de-DE" dirty="0" smtClean="0"/>
-              <a:t>Stellenzahl</a:t>
+              <a:t>(nahezu) beliebige Stellenzahl</a:t>
             </a:r>
           </a:p>
           <a:p>
@@ -3346,29 +3347,8 @@
             </a:pPr>
             <a:r>
               <a:rPr lang="de-DE" dirty="0" smtClean="0"/>
-              <a:t>Bilder </a:t>
-            </a:r>
-            <a:r>
-              <a:rPr lang="de-DE" dirty="0"/>
-              <a:t>druckbar („</a:t>
-            </a:r>
-            <a:r>
-              <a:rPr lang="de-DE" dirty="0" err="1"/>
-              <a:t>printable</a:t>
-            </a:r>
-            <a:r>
-              <a:rPr lang="de-DE" dirty="0"/>
-              <a:t>“)</a:t>
-            </a:r>
-          </a:p>
-          <a:p>
-            <a:pPr marL="595213" lvl="1" indent="-457200">
-              <a:lnSpc>
-                <a:spcPct val="90000"/>
-              </a:lnSpc>
-              <a:buFont typeface="+mj-lt"/>
-              <a:buAutoNum type="arabicPeriod"/>
-            </a:pPr>
+              <a:t>Interaktivität</a:t>
+            </a:r>
             <a:endParaRPr lang="de-DE" dirty="0" smtClean="0"/>
           </a:p>
         </p:txBody>
@@ -3395,7 +3375,7 @@
         </p:blipFill>
         <p:spPr>
           <a:xfrm>
-            <a:off x="179512" y="1196752"/>
+            <a:off x="35496" y="1052736"/>
             <a:ext cx="3950859" cy="3456384"/>
           </a:xfrm>
           <a:prstGeom prst="rect">
@@ -3500,11 +3480,7 @@
             </a:r>
             <a:r>
               <a:rPr lang="de-DE" dirty="0" smtClean="0"/>
-              <a:t> </a:t>
-            </a:r>
-            <a:r>
-              <a:rPr lang="de-DE" dirty="0" smtClean="0"/>
-              <a:t>Mehr Flexibilität</a:t>
+              <a:t> Mehr Flexibilität</a:t>
             </a:r>
             <a:endParaRPr lang="de-DE" dirty="0"/>
           </a:p>
@@ -3580,13 +3556,8 @@
             </a:pPr>
             <a:r>
               <a:rPr lang="de-DE" dirty="0" smtClean="0"/>
-              <a:t>Verbindungen </a:t>
-            </a:r>
-            <a:r>
-              <a:rPr lang="de-DE" dirty="0" smtClean="0"/>
-              <a:t>konfigurierbar</a:t>
-            </a:r>
-            <a:endParaRPr lang="de-DE" dirty="0" smtClean="0"/>
+              <a:t>Verbindungen konfigurierbar</a:t>
+            </a:r>
           </a:p>
           <a:p>
             <a:pPr marL="1168300" lvl="2" indent="-457200">
@@ -3655,6 +3626,13 @@
     <a:masterClrMapping/>
   </p:clrMapOvr>
   <p:transition xmlns:p14="http://schemas.microsoft.com/office/powerpoint/2010/main"/>
+  <p:timing>
+    <p:tnLst>
+      <p:par>
+        <p:cTn xmlns:p14="http://schemas.microsoft.com/office/powerpoint/2010/main" id="1" dur="indefinite" restart="never" nodeType="tmRoot"/>
+      </p:par>
+    </p:tnLst>
+  </p:timing>
 </p:sld>
 </file>
 
@@ -3766,6 +3744,13 @@
     <a:masterClrMapping/>
   </p:clrMapOvr>
   <p:transition xmlns:p14="http://schemas.microsoft.com/office/powerpoint/2010/main"/>
+  <p:timing>
+    <p:tnLst>
+      <p:par>
+        <p:cTn xmlns:p14="http://schemas.microsoft.com/office/powerpoint/2010/main" id="1" dur="indefinite" restart="never" nodeType="tmRoot"/>
+      </p:par>
+    </p:tnLst>
+  </p:timing>
 </p:sld>
 </file>
 

--- a/doc/Design-Challenge.pptx
+++ b/doc/Design-Challenge.pptx
@@ -155,6 +155,22 @@
       </a:defRPr>
     </a:lvl9pPr>
   </p:defaultTextStyle>
+  <p:extLst>
+    <p:ext uri="{EFAFB233-063F-42B5-8137-9DF3F51BA10A}">
+      <p15:sldGuideLst xmlns:p15="http://schemas.microsoft.com/office/powerpoint/2012/main">
+        <p15:guide id="1" orient="horz" pos="4155">
+          <p15:clr>
+            <a:srgbClr val="A4A3A4"/>
+          </p15:clr>
+        </p15:guide>
+        <p15:guide id="2" pos="5713">
+          <p15:clr>
+            <a:srgbClr val="A4A3A4"/>
+          </p15:clr>
+        </p15:guide>
+      </p15:sldGuideLst>
+    </p:ext>
+  </p:extLst>
 </p:presentation>
 </file>
 
@@ -258,7 +274,7 @@
               <a:pPr>
                 <a:defRPr/>
               </a:pPr>
-              <a:t>27.10.15</a:t>
+              <a:t>08.03.16</a:t>
             </a:fld>
             <a:endParaRPr lang="de-DE"/>
           </a:p>
@@ -460,7 +476,7 @@
               <a:pPr>
                 <a:defRPr/>
               </a:pPr>
-              <a:t>27.10.15</a:t>
+              <a:t>08.03.16</a:t>
             </a:fld>
             <a:endParaRPr lang="de-DE"/>
           </a:p>
@@ -1000,7 +1016,7 @@
   <p:clrMapOvr>
     <a:masterClrMapping/>
   </p:clrMapOvr>
-  <p:transition xmlns:p14="http://schemas.microsoft.com/office/powerpoint/2010/main"/>
+  <p:transition/>
 </p:sldLayout>
 </file>
 
@@ -1131,7 +1147,7 @@
   <p:clrMapOvr>
     <a:masterClrMapping/>
   </p:clrMapOvr>
-  <p:transition xmlns:p14="http://schemas.microsoft.com/office/powerpoint/2010/main"/>
+  <p:transition/>
 </p:sldLayout>
 </file>
 
@@ -1337,7 +1353,7 @@
   <p:clrMapOvr>
     <a:masterClrMapping/>
   </p:clrMapOvr>
-  <p:transition xmlns:p14="http://schemas.microsoft.com/office/powerpoint/2010/main"/>
+  <p:transition/>
 </p:sldLayout>
 </file>
 
@@ -1408,7 +1424,7 @@
             </a:ln>
             <a:extLst>
               <a:ext uri="{91240B29-F687-4f45-9708-019B960494DF}">
-                <a14:hiddenLine xmlns:a14="http://schemas.microsoft.com/office/drawing/2010/main" w="9525">
+                <a14:hiddenLine xmlns:a14="http://schemas.microsoft.com/office/drawing/2010/main" xmlns="" w="9525">
                   <a:solidFill>
                     <a:srgbClr val="000000"/>
                   </a:solidFill>
@@ -1453,7 +1469,7 @@
             </a:ln>
             <a:extLst>
               <a:ext uri="{91240B29-F687-4f45-9708-019B960494DF}">
-                <a14:hiddenLine xmlns:a14="http://schemas.microsoft.com/office/drawing/2010/main" w="9525">
+                <a14:hiddenLine xmlns:a14="http://schemas.microsoft.com/office/drawing/2010/main" xmlns="" w="9525">
                   <a:solidFill>
                     <a:srgbClr val="000000"/>
                   </a:solidFill>
@@ -1498,7 +1514,7 @@
             </a:ln>
             <a:extLst>
               <a:ext uri="{91240B29-F687-4f45-9708-019B960494DF}">
-                <a14:hiddenLine xmlns:a14="http://schemas.microsoft.com/office/drawing/2010/main" w="9525">
+                <a14:hiddenLine xmlns:a14="http://schemas.microsoft.com/office/drawing/2010/main" xmlns="" w="9525">
                   <a:solidFill>
                     <a:srgbClr val="000000"/>
                   </a:solidFill>
@@ -1541,15 +1557,18 @@
             <a:noFill/>
           </a:ln>
           <a:extLst>
+            <a:ext uri="{FAA26D3D-D897-4be2-8F04-BA451C77F1D7}">
+              <ma14:placeholderFlag xmlns:ma14="http://schemas.microsoft.com/office/mac/drawingml/2011/main" val="1"/>
+            </a:ext>
             <a:ext uri="{909E8E84-426E-40dd-AFC4-6F175D3DCCD1}">
-              <a14:hiddenFill xmlns:a14="http://schemas.microsoft.com/office/drawing/2010/main">
+              <a14:hiddenFill xmlns:a14="http://schemas.microsoft.com/office/drawing/2010/main" xmlns="">
                 <a:solidFill>
                   <a:srgbClr val="FFFFFF"/>
                 </a:solidFill>
               </a14:hiddenFill>
             </a:ext>
             <a:ext uri="{91240B29-F687-4f45-9708-019B960494DF}">
-              <a14:hiddenLine xmlns:a14="http://schemas.microsoft.com/office/drawing/2010/main" w="12700">
+              <a14:hiddenLine xmlns:a14="http://schemas.microsoft.com/office/drawing/2010/main" xmlns="" w="12700">
                 <a:solidFill>
                   <a:srgbClr val="000000"/>
                 </a:solidFill>
@@ -1557,9 +1576,6 @@
                 <a:headEnd/>
                 <a:tailEnd/>
               </a14:hiddenLine>
-            </a:ext>
-            <a:ext uri="{FAA26D3D-D897-4be2-8F04-BA451C77F1D7}">
-              <ma14:placeholderFlag xmlns:ma14="http://schemas.microsoft.com/office/mac/drawingml/2011/main" val="1"/>
             </a:ext>
           </a:extLst>
         </p:spPr>
@@ -1604,15 +1620,18 @@
             <a:noFill/>
           </a:ln>
           <a:extLst>
+            <a:ext uri="{FAA26D3D-D897-4be2-8F04-BA451C77F1D7}">
+              <ma14:placeholderFlag xmlns:ma14="http://schemas.microsoft.com/office/mac/drawingml/2011/main" val="1"/>
+            </a:ext>
             <a:ext uri="{909E8E84-426E-40dd-AFC4-6F175D3DCCD1}">
-              <a14:hiddenFill xmlns:a14="http://schemas.microsoft.com/office/drawing/2010/main">
+              <a14:hiddenFill xmlns:a14="http://schemas.microsoft.com/office/drawing/2010/main" xmlns="">
                 <a:solidFill>
                   <a:srgbClr val="FFFFFF"/>
                 </a:solidFill>
               </a14:hiddenFill>
             </a:ext>
             <a:ext uri="{91240B29-F687-4f45-9708-019B960494DF}">
-              <a14:hiddenLine xmlns:a14="http://schemas.microsoft.com/office/drawing/2010/main" w="12700">
+              <a14:hiddenLine xmlns:a14="http://schemas.microsoft.com/office/drawing/2010/main" xmlns="" w="12700">
                 <a:solidFill>
                   <a:srgbClr val="000000"/>
                 </a:solidFill>
@@ -1620,9 +1639,6 @@
                 <a:headEnd/>
                 <a:tailEnd/>
               </a14:hiddenLine>
-            </a:ext>
-            <a:ext uri="{FAA26D3D-D897-4be2-8F04-BA451C77F1D7}">
-              <ma14:placeholderFlag xmlns:ma14="http://schemas.microsoft.com/office/mac/drawingml/2011/main" val="1"/>
             </a:ext>
           </a:extLst>
         </p:spPr>
@@ -1706,7 +1722,7 @@
           </a:ln>
           <a:extLst>
             <a:ext uri="{91240B29-F687-4f45-9708-019B960494DF}">
-              <a14:hiddenLine xmlns:a14="http://schemas.microsoft.com/office/drawing/2010/main" w="9525">
+              <a14:hiddenLine xmlns:a14="http://schemas.microsoft.com/office/drawing/2010/main" xmlns="" w="9525">
                 <a:solidFill>
                   <a:srgbClr val="000000"/>
                 </a:solidFill>
@@ -1747,14 +1763,14 @@
           </a:ln>
           <a:extLst>
             <a:ext uri="{909E8E84-426E-40dd-AFC4-6F175D3DCCD1}">
-              <a14:hiddenFill xmlns:a14="http://schemas.microsoft.com/office/drawing/2010/main">
+              <a14:hiddenFill xmlns:a14="http://schemas.microsoft.com/office/drawing/2010/main" xmlns="">
                 <a:solidFill>
                   <a:srgbClr val="FFFFFF"/>
                 </a:solidFill>
               </a14:hiddenFill>
             </a:ext>
             <a:ext uri="{91240B29-F687-4f45-9708-019B960494DF}">
-              <a14:hiddenLine xmlns:a14="http://schemas.microsoft.com/office/drawing/2010/main" w="12700">
+              <a14:hiddenLine xmlns:a14="http://schemas.microsoft.com/office/drawing/2010/main" xmlns="" w="12700">
                 <a:solidFill>
                   <a:srgbClr val="000000"/>
                 </a:solidFill>
@@ -1832,11 +1848,11 @@
     <p:sldLayoutId id="2147483825" r:id="rId2"/>
     <p:sldLayoutId id="2147483826" r:id="rId3"/>
   </p:sldLayoutIdLst>
-  <p:transition xmlns:p14="http://schemas.microsoft.com/office/powerpoint/2010/main"/>
+  <p:transition/>
   <p:timing>
     <p:tnLst>
       <p:par>
-        <p:cTn xmlns:p14="http://schemas.microsoft.com/office/powerpoint/2010/main" id="1" dur="indefinite" restart="never" nodeType="tmRoot"/>
+        <p:cTn id="1" dur="indefinite" restart="never" nodeType="tmRoot"/>
       </p:par>
     </p:tnLst>
   </p:timing>
@@ -2465,11 +2481,11 @@
   <p:clrMapOvr>
     <a:masterClrMapping/>
   </p:clrMapOvr>
-  <p:transition xmlns:p14="http://schemas.microsoft.com/office/powerpoint/2010/main"/>
+  <p:transition/>
   <p:timing>
     <p:tnLst>
       <p:par>
-        <p:cTn xmlns:p14="http://schemas.microsoft.com/office/powerpoint/2010/main" id="1" dur="indefinite" restart="never" nodeType="tmRoot"/>
+        <p:cTn id="1" dur="indefinite" restart="never" nodeType="tmRoot"/>
       </p:par>
     </p:tnLst>
   </p:timing>
@@ -2606,11 +2622,11 @@
   <p:clrMapOvr>
     <a:masterClrMapping/>
   </p:clrMapOvr>
-  <p:transition xmlns:p14="http://schemas.microsoft.com/office/powerpoint/2010/main"/>
+  <p:transition/>
   <p:timing>
     <p:tnLst>
       <p:par>
-        <p:cTn xmlns:p14="http://schemas.microsoft.com/office/powerpoint/2010/main" id="1" dur="indefinite" restart="never" nodeType="tmRoot"/>
+        <p:cTn id="1" dur="indefinite" restart="never" nodeType="tmRoot"/>
       </p:par>
     </p:tnLst>
   </p:timing>
@@ -2893,11 +2909,11 @@
   <p:clrMapOvr>
     <a:masterClrMapping/>
   </p:clrMapOvr>
-  <p:transition xmlns:p14="http://schemas.microsoft.com/office/powerpoint/2010/main"/>
+  <p:transition/>
   <p:timing>
     <p:tnLst>
       <p:par>
-        <p:cTn xmlns:p14="http://schemas.microsoft.com/office/powerpoint/2010/main" id="1" dur="indefinite" restart="never" nodeType="tmRoot"/>
+        <p:cTn id="1" dur="indefinite" restart="never" nodeType="tmRoot"/>
       </p:par>
     </p:tnLst>
   </p:timing>
@@ -3148,11 +3164,11 @@
   <p:clrMapOvr>
     <a:masterClrMapping/>
   </p:clrMapOvr>
-  <p:transition xmlns:p14="http://schemas.microsoft.com/office/powerpoint/2010/main"/>
+  <p:transition/>
   <p:timing>
     <p:tnLst>
       <p:par>
-        <p:cTn xmlns:p14="http://schemas.microsoft.com/office/powerpoint/2010/main" id="1" dur="indefinite" restart="never" nodeType="tmRoot"/>
+        <p:cTn id="1" dur="indefinite" restart="never" nodeType="tmRoot"/>
       </p:par>
     </p:tnLst>
   </p:timing>
@@ -3199,11 +3215,7 @@
             </a:r>
             <a:r>
               <a:rPr lang="de-DE" dirty="0" smtClean="0"/>
-              <a:t>Architekturentwurf</a:t>
-            </a:r>
-            <a:r>
-              <a:rPr lang="de-DE" dirty="0" smtClean="0"/>
-              <a:t>...</a:t>
+              <a:t>Architekturentwurf...</a:t>
             </a:r>
             <a:endParaRPr lang="de-DE" dirty="0"/>
           </a:p>
@@ -3256,11 +3268,7 @@
             </a:r>
             <a:r>
               <a:rPr lang="de-DE" dirty="0" smtClean="0"/>
-              <a:t>Zusammenhängen in </a:t>
-            </a:r>
-            <a:r>
-              <a:rPr lang="de-DE" dirty="0" smtClean="0"/>
-              <a:t>beliebigen Wertemengen</a:t>
+              <a:t>Zusammenhängen in beliebigen Wertemengen</a:t>
             </a:r>
             <a:endParaRPr lang="de-DE" dirty="0"/>
           </a:p>
@@ -3349,7 +3357,6 @@
               <a:rPr lang="de-DE" dirty="0" smtClean="0"/>
               <a:t>Interaktivität</a:t>
             </a:r>
-            <a:endParaRPr lang="de-DE" dirty="0" smtClean="0"/>
           </a:p>
         </p:txBody>
       </p:sp>
@@ -3423,11 +3430,11 @@
   <p:clrMapOvr>
     <a:masterClrMapping/>
   </p:clrMapOvr>
-  <p:transition xmlns:p14="http://schemas.microsoft.com/office/powerpoint/2010/main"/>
+  <p:transition/>
   <p:timing>
     <p:tnLst>
       <p:par>
-        <p:cTn xmlns:p14="http://schemas.microsoft.com/office/powerpoint/2010/main" id="1" dur="indefinite" restart="never" nodeType="tmRoot"/>
+        <p:cTn id="1" dur="indefinite" restart="never" nodeType="tmRoot"/>
       </p:par>
     </p:tnLst>
   </p:timing>
@@ -3467,20 +3474,12 @@
           <a:lstStyle/>
           <a:p>
             <a:r>
-              <a:rPr lang="de-DE" sz="2800" dirty="0">
-                <a:latin typeface="+mn-lt"/>
-              </a:rPr>
-              <a:t>Aufgabe </a:t>
-            </a:r>
-            <a:r>
-              <a:rPr lang="de-DE" sz="2800" dirty="0" smtClean="0">
-                <a:latin typeface="+mn-lt"/>
-              </a:rPr>
-              <a:t>2:</a:t>
-            </a:r>
-            <a:r>
-              <a:rPr lang="de-DE" dirty="0" smtClean="0"/>
-              <a:t> Mehr Flexibilität</a:t>
+              <a:rPr lang="de-DE" dirty="0" smtClean="0"/>
+              <a:t>Mehr </a:t>
+            </a:r>
+            <a:r>
+              <a:rPr lang="de-DE" dirty="0" smtClean="0"/>
+              <a:t>Flexibilität</a:t>
             </a:r>
             <a:endParaRPr lang="de-DE" dirty="0"/>
           </a:p>
@@ -3625,11 +3624,11 @@
   <p:clrMapOvr>
     <a:masterClrMapping/>
   </p:clrMapOvr>
-  <p:transition xmlns:p14="http://schemas.microsoft.com/office/powerpoint/2010/main"/>
+  <p:transition/>
   <p:timing>
     <p:tnLst>
       <p:par>
-        <p:cTn xmlns:p14="http://schemas.microsoft.com/office/powerpoint/2010/main" id="1" dur="indefinite" restart="never" nodeType="tmRoot"/>
+        <p:cTn id="1" dur="indefinite" restart="never" nodeType="tmRoot"/>
       </p:par>
     </p:tnLst>
   </p:timing>
@@ -3743,11 +3742,11 @@
   <p:clrMapOvr>
     <a:masterClrMapping/>
   </p:clrMapOvr>
-  <p:transition xmlns:p14="http://schemas.microsoft.com/office/powerpoint/2010/main"/>
+  <p:transition/>
   <p:timing>
     <p:tnLst>
       <p:par>
-        <p:cTn xmlns:p14="http://schemas.microsoft.com/office/powerpoint/2010/main" id="1" dur="indefinite" restart="never" nodeType="tmRoot"/>
+        <p:cTn id="1" dur="indefinite" restart="never" nodeType="tmRoot"/>
       </p:par>
     </p:tnLst>
   </p:timing>
